--- a/presentation.pptx
+++ b/presentation.pptx
@@ -6182,7 +6182,7 @@
           <a:graphicData uri="http://schemas.openxmlformats.org/presentationml/2006/ole">
             <mc:AlternateContent xmlns:mc="http://schemas.openxmlformats.org/markup-compatibility/2006">
               <mc:Choice xmlns:v="urn:schemas-microsoft-com:vml" Requires="v">
-                <p:oleObj spid="_x0000_s4168" name="Packager Shell Object" showAsIcon="1" r:id="rId4" imgW="426240" imgH="491040" progId="Package">
+                <p:oleObj spid="_x0000_s4170" name="Packager Shell Object" showAsIcon="1" r:id="rId4" imgW="426240" imgH="491040" progId="Package">
                   <p:embed/>
                 </p:oleObj>
               </mc:Choice>
@@ -7354,18 +7354,7 @@
                   </a:schemeClr>
                 </a:solidFill>
               </a:rPr>
-              <a:t>Cross </a:t>
-            </a:r>
-            <a:r>
-              <a:rPr lang="en-US" sz="2800" dirty="0" smtClean="0">
-                <a:solidFill>
-                  <a:schemeClr val="tx1">
-                    <a:lumMod val="75000"/>
-                    <a:lumOff val="25000"/>
-                  </a:schemeClr>
-                </a:solidFill>
-              </a:rPr>
-              <a:t>Validation</a:t>
+              <a:t>Cross Validation</a:t>
             </a:r>
             <a:endParaRPr lang="en-IN" sz="2600" b="1" dirty="0">
               <a:ln w="0"/>
@@ -7468,6 +7457,166 @@
           </a:p>
         </p:txBody>
       </p:sp>
+      <p:sp>
+        <p:nvSpPr>
+          <p:cNvPr id="6" name="TextBox 5"/>
+          <p:cNvSpPr txBox="1"/>
+          <p:nvPr/>
+        </p:nvSpPr>
+        <p:spPr>
+          <a:xfrm>
+            <a:off x="481677" y="3589241"/>
+            <a:ext cx="10811965" cy="3139321"/>
+          </a:xfrm>
+          <a:prstGeom prst="rect">
+            <a:avLst/>
+          </a:prstGeom>
+          <a:noFill/>
+        </p:spPr>
+        <p:txBody>
+          <a:bodyPr wrap="square" rtlCol="0">
+            <a:spAutoFit/>
+          </a:bodyPr>
+          <a:lstStyle/>
+          <a:p>
+            <a:r>
+              <a:rPr lang="en-US" dirty="0" smtClean="0"/>
+              <a:t>  -Model considered for training and cross validation</a:t>
+            </a:r>
+          </a:p>
+          <a:p>
+            <a:r>
+              <a:rPr lang="en-US" dirty="0"/>
+              <a:t> </a:t>
+            </a:r>
+            <a:r>
+              <a:rPr lang="en-US" dirty="0" smtClean="0"/>
+              <a:t>  1) </a:t>
+            </a:r>
+            <a:r>
+              <a:rPr lang="en-US" dirty="0" err="1" smtClean="0"/>
+              <a:t>tbats</a:t>
+            </a:r>
+            <a:endParaRPr lang="en-US" dirty="0" smtClean="0"/>
+          </a:p>
+          <a:p>
+            <a:r>
+              <a:rPr lang="en-US" dirty="0"/>
+              <a:t> </a:t>
+            </a:r>
+            <a:r>
+              <a:rPr lang="en-US" dirty="0" smtClean="0"/>
+              <a:t>  2) </a:t>
+            </a:r>
+            <a:r>
+              <a:rPr lang="en-US" dirty="0" err="1" smtClean="0"/>
+              <a:t>ets</a:t>
+            </a:r>
+            <a:endParaRPr lang="en-US" dirty="0" smtClean="0"/>
+          </a:p>
+          <a:p>
+            <a:r>
+              <a:rPr lang="en-US" dirty="0"/>
+              <a:t> </a:t>
+            </a:r>
+            <a:r>
+              <a:rPr lang="en-US" dirty="0" smtClean="0"/>
+              <a:t>  3) STLM </a:t>
+            </a:r>
+          </a:p>
+          <a:p>
+            <a:r>
+              <a:rPr lang="en-US" dirty="0"/>
+              <a:t> </a:t>
+            </a:r>
+            <a:r>
+              <a:rPr lang="en-US" dirty="0" smtClean="0"/>
+              <a:t>  4) S naïve</a:t>
+            </a:r>
+          </a:p>
+          <a:p>
+            <a:r>
+              <a:rPr lang="en-US" dirty="0"/>
+              <a:t> </a:t>
+            </a:r>
+            <a:r>
+              <a:rPr lang="en-US" dirty="0" smtClean="0"/>
+              <a:t>  5) Prophet</a:t>
+            </a:r>
+          </a:p>
+          <a:p>
+            <a:r>
+              <a:rPr lang="en-US" dirty="0"/>
+              <a:t> </a:t>
+            </a:r>
+            <a:r>
+              <a:rPr lang="en-US" dirty="0" smtClean="0"/>
+              <a:t>  6) </a:t>
+            </a:r>
+            <a:r>
+              <a:rPr lang="en-US" dirty="0" err="1" smtClean="0"/>
+              <a:t>Arima</a:t>
+            </a:r>
+            <a:endParaRPr lang="en-US" dirty="0"/>
+          </a:p>
+          <a:p>
+            <a:r>
+              <a:rPr lang="en-US" dirty="0" smtClean="0"/>
+              <a:t>   7) </a:t>
+            </a:r>
+            <a:r>
+              <a:rPr lang="en-US" dirty="0" err="1" smtClean="0"/>
+              <a:t>Arimax</a:t>
+            </a:r>
+            <a:endParaRPr lang="en-US" dirty="0" smtClean="0"/>
+          </a:p>
+          <a:p>
+            <a:r>
+              <a:rPr lang="en-US" dirty="0"/>
+              <a:t> </a:t>
+            </a:r>
+            <a:r>
+              <a:rPr lang="en-US" dirty="0" smtClean="0"/>
+              <a:t>  8) </a:t>
+            </a:r>
+            <a:r>
+              <a:rPr lang="en-US" dirty="0" err="1" smtClean="0"/>
+              <a:t>Arima</a:t>
+            </a:r>
+            <a:r>
+              <a:rPr lang="en-US" dirty="0" smtClean="0"/>
+              <a:t> with </a:t>
+            </a:r>
+            <a:r>
+              <a:rPr lang="en-US" dirty="0" err="1" smtClean="0"/>
+              <a:t>fourier</a:t>
+            </a:r>
+            <a:endParaRPr lang="en-US" dirty="0" smtClean="0"/>
+          </a:p>
+          <a:p>
+            <a:r>
+              <a:rPr lang="en-US" dirty="0"/>
+              <a:t> </a:t>
+            </a:r>
+            <a:r>
+              <a:rPr lang="en-US" dirty="0" smtClean="0"/>
+              <a:t>  9) </a:t>
+            </a:r>
+            <a:r>
+              <a:rPr lang="en-US" dirty="0" err="1" smtClean="0"/>
+              <a:t>Catboost</a:t>
+            </a:r>
+            <a:endParaRPr lang="en-US" dirty="0" smtClean="0"/>
+          </a:p>
+          <a:p>
+            <a:r>
+              <a:rPr lang="en-US" dirty="0" smtClean="0"/>
+              <a:t> 10) Ensemble</a:t>
+            </a:r>
+            <a:endParaRPr lang="en-US" dirty="0"/>
+          </a:p>
+        </p:txBody>
+      </p:sp>
     </p:spTree>
     <p:extLst>
       <p:ext uri="{BB962C8B-B14F-4D97-AF65-F5344CB8AC3E}">
@@ -7593,18 +7742,7 @@
                   </a:schemeClr>
                 </a:solidFill>
               </a:rPr>
-              <a:t>est </a:t>
-            </a:r>
-            <a:r>
-              <a:rPr lang="en-US" sz="2800" dirty="0" smtClean="0">
-                <a:solidFill>
-                  <a:schemeClr val="tx1">
-                    <a:lumMod val="75000"/>
-                    <a:lumOff val="25000"/>
-                  </a:schemeClr>
-                </a:solidFill>
-              </a:rPr>
-              <a:t>Model</a:t>
+              <a:t>est Model</a:t>
             </a:r>
             <a:endParaRPr lang="en-IN" sz="2600" b="1" dirty="0">
               <a:ln w="0"/>
@@ -7961,15 +8099,7 @@
           <a:p>
             <a:r>
               <a:rPr lang="en-US" dirty="0" smtClean="0"/>
-              <a:t>  </a:t>
-            </a:r>
-            <a:r>
-              <a:rPr lang="en-US" dirty="0" smtClean="0"/>
-              <a:t>-More hyper parameter</a:t>
-            </a:r>
-            <a:r>
-              <a:rPr lang="en-US" dirty="0" smtClean="0"/>
-              <a:t> tuning</a:t>
+              <a:t>  -More hyper parameter tuning</a:t>
             </a:r>
           </a:p>
           <a:p>
